--- a/dsgn/OOP - Classes.pptx
+++ b/dsgn/OOP - Classes.pptx
@@ -8,6 +8,7 @@
     <p:sldId id="256" r:id="rId2"/>
     <p:sldId id="257" r:id="rId3"/>
     <p:sldId id="258" r:id="rId4"/>
+    <p:sldId id="259" r:id="rId5"/>
   </p:sldIdLst>
   <p:sldSz cx="12192000" cy="6858000"/>
   <p:notesSz cx="6858000" cy="9144000"/>
@@ -106,6 +107,11 @@
       </a:defRPr>
     </a:lvl9pPr>
   </p:defaultTextStyle>
+  <p:extLst>
+    <p:ext uri="{EFAFB233-063F-42B5-8137-9DF3F51BA10A}">
+      <p15:sldGuideLst xmlns:p15="http://schemas.microsoft.com/office/powerpoint/2012/main"/>
+    </p:ext>
+  </p:extLst>
 </p:presentation>
 </file>
 
@@ -5261,6 +5267,491 @@
 </p:sld>
 </file>
 
+<file path=ppt/slides/slide4.xml><?xml version="1.0" encoding="utf-8"?>
+<p:sld xmlns:a="http://schemas.openxmlformats.org/drawingml/2006/main" xmlns:r="http://schemas.openxmlformats.org/officeDocument/2006/relationships" xmlns:p="http://schemas.openxmlformats.org/presentationml/2006/main">
+  <p:cSld>
+    <p:spTree>
+      <p:nvGrpSpPr>
+        <p:cNvPr id="1" name=""/>
+        <p:cNvGrpSpPr/>
+        <p:nvPr/>
+      </p:nvGrpSpPr>
+      <p:grpSpPr>
+        <a:xfrm>
+          <a:off x="0" y="0"/>
+          <a:ext cx="0" cy="0"/>
+          <a:chOff x="0" y="0"/>
+          <a:chExt cx="0" cy="0"/>
+        </a:xfrm>
+      </p:grpSpPr>
+      <p:sp>
+        <p:nvSpPr>
+          <p:cNvPr id="4" name="Rectangle 3">
+            <a:extLst>
+              <a:ext uri="{FF2B5EF4-FFF2-40B4-BE49-F238E27FC236}">
+                <a16:creationId xmlns:a16="http://schemas.microsoft.com/office/drawing/2014/main" id="{8D6EC80A-544A-416E-ADCA-5634FCF5E20E}"/>
+              </a:ext>
+            </a:extLst>
+          </p:cNvPr>
+          <p:cNvSpPr/>
+          <p:nvPr/>
+        </p:nvSpPr>
+        <p:spPr>
+          <a:xfrm>
+            <a:off x="4123996" y="1093077"/>
+            <a:ext cx="3944008" cy="830317"/>
+          </a:xfrm>
+          <a:prstGeom prst="rect">
+            <a:avLst/>
+          </a:prstGeom>
+          <a:ln/>
+        </p:spPr>
+        <p:style>
+          <a:lnRef idx="2">
+            <a:schemeClr val="dk1"/>
+          </a:lnRef>
+          <a:fillRef idx="1">
+            <a:schemeClr val="lt1"/>
+          </a:fillRef>
+          <a:effectRef idx="0">
+            <a:schemeClr val="dk1"/>
+          </a:effectRef>
+          <a:fontRef idx="minor">
+            <a:schemeClr val="dk1"/>
+          </a:fontRef>
+        </p:style>
+        <p:txBody>
+          <a:bodyPr rtlCol="0" anchor="ctr"/>
+          <a:lstStyle/>
+          <a:p>
+            <a:pPr algn="ctr"/>
+            <a:r>
+              <a:rPr lang="en-US" sz="1600" u="sng" dirty="0"/>
+              <a:t>GUI</a:t>
+            </a:r>
+          </a:p>
+          <a:p>
+            <a:pPr algn="ctr"/>
+            <a:r>
+              <a:rPr lang="en-US" sz="1600" dirty="0"/>
+              <a:t>Update, Clear</a:t>
+            </a:r>
+          </a:p>
+        </p:txBody>
+      </p:sp>
+      <p:sp>
+        <p:nvSpPr>
+          <p:cNvPr id="6" name="Rectangle 5">
+            <a:extLst>
+              <a:ext uri="{FF2B5EF4-FFF2-40B4-BE49-F238E27FC236}">
+                <a16:creationId xmlns:a16="http://schemas.microsoft.com/office/drawing/2014/main" id="{975E9FF6-7752-4CDF-B63F-150D1256E627}"/>
+              </a:ext>
+            </a:extLst>
+          </p:cNvPr>
+          <p:cNvSpPr/>
+          <p:nvPr/>
+        </p:nvSpPr>
+        <p:spPr>
+          <a:xfrm>
+            <a:off x="3568262" y="3429000"/>
+            <a:ext cx="2366142" cy="830317"/>
+          </a:xfrm>
+          <a:prstGeom prst="rect">
+            <a:avLst/>
+          </a:prstGeom>
+          <a:ln/>
+        </p:spPr>
+        <p:style>
+          <a:lnRef idx="2">
+            <a:schemeClr val="dk1"/>
+          </a:lnRef>
+          <a:fillRef idx="1">
+            <a:schemeClr val="lt1"/>
+          </a:fillRef>
+          <a:effectRef idx="0">
+            <a:schemeClr val="dk1"/>
+          </a:effectRef>
+          <a:fontRef idx="minor">
+            <a:schemeClr val="dk1"/>
+          </a:fontRef>
+        </p:style>
+        <p:txBody>
+          <a:bodyPr rtlCol="0" anchor="ctr"/>
+          <a:lstStyle/>
+          <a:p>
+            <a:pPr algn="ctr"/>
+            <a:r>
+              <a:rPr lang="en-US" sz="1600" u="sng" dirty="0"/>
+              <a:t>IA Test GUI</a:t>
+            </a:r>
+          </a:p>
+          <a:p>
+            <a:pPr algn="ctr"/>
+            <a:r>
+              <a:rPr lang="en-US" sz="1600" dirty="0"/>
+              <a:t>Update, Clear, Save Data</a:t>
+            </a:r>
+          </a:p>
+        </p:txBody>
+      </p:sp>
+      <p:cxnSp>
+        <p:nvCxnSpPr>
+          <p:cNvPr id="7" name="Connector: Elbow 6">
+            <a:extLst>
+              <a:ext uri="{FF2B5EF4-FFF2-40B4-BE49-F238E27FC236}">
+                <a16:creationId xmlns:a16="http://schemas.microsoft.com/office/drawing/2014/main" id="{31534F16-EB7C-4DA3-8477-AB24D139DACC}"/>
+              </a:ext>
+            </a:extLst>
+          </p:cNvPr>
+          <p:cNvCxnSpPr>
+            <a:cxnSpLocks/>
+            <a:stCxn id="6" idx="0"/>
+            <a:endCxn id="4" idx="2"/>
+          </p:cNvCxnSpPr>
+          <p:nvPr/>
+        </p:nvCxnSpPr>
+        <p:spPr>
+          <a:xfrm rot="5400000" flipH="1" flipV="1">
+            <a:off x="4670863" y="2003864"/>
+            <a:ext cx="1505606" cy="1344667"/>
+          </a:xfrm>
+          <a:prstGeom prst="bentConnector3">
+            <a:avLst>
+              <a:gd name="adj1" fmla="val 50000"/>
+            </a:avLst>
+          </a:prstGeom>
+          <a:ln>
+            <a:tailEnd type="triangle"/>
+          </a:ln>
+        </p:spPr>
+        <p:style>
+          <a:lnRef idx="1">
+            <a:schemeClr val="dk1"/>
+          </a:lnRef>
+          <a:fillRef idx="0">
+            <a:schemeClr val="dk1"/>
+          </a:fillRef>
+          <a:effectRef idx="0">
+            <a:schemeClr val="dk1"/>
+          </a:effectRef>
+          <a:fontRef idx="minor">
+            <a:schemeClr val="tx1"/>
+          </a:fontRef>
+        </p:style>
+      </p:cxnSp>
+      <p:cxnSp>
+        <p:nvCxnSpPr>
+          <p:cNvPr id="10" name="Connector: Elbow 9">
+            <a:extLst>
+              <a:ext uri="{FF2B5EF4-FFF2-40B4-BE49-F238E27FC236}">
+                <a16:creationId xmlns:a16="http://schemas.microsoft.com/office/drawing/2014/main" id="{452C90EB-AEAF-450E-8BE1-0AF92B025B0B}"/>
+              </a:ext>
+            </a:extLst>
+          </p:cNvPr>
+          <p:cNvCxnSpPr>
+            <a:cxnSpLocks/>
+            <a:stCxn id="9" idx="0"/>
+            <a:endCxn id="4" idx="2"/>
+          </p:cNvCxnSpPr>
+          <p:nvPr/>
+        </p:nvCxnSpPr>
+        <p:spPr>
+          <a:xfrm rot="16200000" flipV="1">
+            <a:off x="6030639" y="1988755"/>
+            <a:ext cx="1505606" cy="1374884"/>
+          </a:xfrm>
+          <a:prstGeom prst="bentConnector3">
+            <a:avLst>
+              <a:gd name="adj1" fmla="val 50000"/>
+            </a:avLst>
+          </a:prstGeom>
+          <a:ln>
+            <a:tailEnd type="triangle"/>
+          </a:ln>
+        </p:spPr>
+        <p:style>
+          <a:lnRef idx="1">
+            <a:schemeClr val="dk1"/>
+          </a:lnRef>
+          <a:fillRef idx="0">
+            <a:schemeClr val="dk1"/>
+          </a:fillRef>
+          <a:effectRef idx="0">
+            <a:schemeClr val="dk1"/>
+          </a:effectRef>
+          <a:fontRef idx="minor">
+            <a:schemeClr val="tx1"/>
+          </a:fontRef>
+        </p:style>
+      </p:cxnSp>
+      <p:sp>
+        <p:nvSpPr>
+          <p:cNvPr id="9" name="Rectangle 8">
+            <a:extLst>
+              <a:ext uri="{FF2B5EF4-FFF2-40B4-BE49-F238E27FC236}">
+                <a16:creationId xmlns:a16="http://schemas.microsoft.com/office/drawing/2014/main" id="{F79F7AB2-E12B-4831-9465-AACBD19FA73D}"/>
+              </a:ext>
+            </a:extLst>
+          </p:cNvPr>
+          <p:cNvSpPr/>
+          <p:nvPr/>
+        </p:nvSpPr>
+        <p:spPr>
+          <a:xfrm>
+            <a:off x="6287813" y="3429000"/>
+            <a:ext cx="2366142" cy="830317"/>
+          </a:xfrm>
+          <a:prstGeom prst="rect">
+            <a:avLst/>
+          </a:prstGeom>
+          <a:ln/>
+        </p:spPr>
+        <p:style>
+          <a:lnRef idx="2">
+            <a:schemeClr val="dk1"/>
+          </a:lnRef>
+          <a:fillRef idx="1">
+            <a:schemeClr val="lt1"/>
+          </a:fillRef>
+          <a:effectRef idx="0">
+            <a:schemeClr val="dk1"/>
+          </a:effectRef>
+          <a:fontRef idx="minor">
+            <a:schemeClr val="dk1"/>
+          </a:fontRef>
+        </p:style>
+        <p:txBody>
+          <a:bodyPr rtlCol="0" anchor="ctr"/>
+          <a:lstStyle/>
+          <a:p>
+            <a:pPr algn="ctr"/>
+            <a:r>
+              <a:rPr lang="en-US" sz="1600" u="sng" dirty="0"/>
+              <a:t>Force Calibration GUI</a:t>
+            </a:r>
+          </a:p>
+          <a:p>
+            <a:pPr algn="ctr"/>
+            <a:r>
+              <a:rPr lang="en-US" sz="1600" dirty="0"/>
+              <a:t>Update, Clear, Save Data</a:t>
+            </a:r>
+          </a:p>
+        </p:txBody>
+      </p:sp>
+      <p:sp>
+        <p:nvSpPr>
+          <p:cNvPr id="12" name="Rectangle 11">
+            <a:extLst>
+              <a:ext uri="{FF2B5EF4-FFF2-40B4-BE49-F238E27FC236}">
+                <a16:creationId xmlns:a16="http://schemas.microsoft.com/office/drawing/2014/main" id="{A9D97C60-4853-4428-8C84-8357DEFD89FD}"/>
+              </a:ext>
+            </a:extLst>
+          </p:cNvPr>
+          <p:cNvSpPr/>
+          <p:nvPr/>
+        </p:nvSpPr>
+        <p:spPr>
+          <a:xfrm>
+            <a:off x="9007364" y="3429000"/>
+            <a:ext cx="2366142" cy="830317"/>
+          </a:xfrm>
+          <a:prstGeom prst="rect">
+            <a:avLst/>
+          </a:prstGeom>
+          <a:ln/>
+        </p:spPr>
+        <p:style>
+          <a:lnRef idx="2">
+            <a:schemeClr val="dk1"/>
+          </a:lnRef>
+          <a:fillRef idx="1">
+            <a:schemeClr val="lt1"/>
+          </a:fillRef>
+          <a:effectRef idx="0">
+            <a:schemeClr val="dk1"/>
+          </a:effectRef>
+          <a:fontRef idx="minor">
+            <a:schemeClr val="dk1"/>
+          </a:fontRef>
+        </p:style>
+        <p:txBody>
+          <a:bodyPr rtlCol="0" anchor="ctr"/>
+          <a:lstStyle/>
+          <a:p>
+            <a:pPr algn="ctr"/>
+            <a:r>
+              <a:rPr lang="en-US" sz="1600" u="sng" dirty="0"/>
+              <a:t>Camera Calibration GUI</a:t>
+            </a:r>
+          </a:p>
+          <a:p>
+            <a:pPr algn="ctr"/>
+            <a:r>
+              <a:rPr lang="en-US" sz="1600" dirty="0"/>
+              <a:t>Update, Clear, Save Data</a:t>
+            </a:r>
+          </a:p>
+        </p:txBody>
+      </p:sp>
+      <p:cxnSp>
+        <p:nvCxnSpPr>
+          <p:cNvPr id="13" name="Connector: Elbow 12">
+            <a:extLst>
+              <a:ext uri="{FF2B5EF4-FFF2-40B4-BE49-F238E27FC236}">
+                <a16:creationId xmlns:a16="http://schemas.microsoft.com/office/drawing/2014/main" id="{19728625-D279-4FA2-BE37-F81D8C5BB32D}"/>
+              </a:ext>
+            </a:extLst>
+          </p:cNvPr>
+          <p:cNvCxnSpPr>
+            <a:cxnSpLocks/>
+            <a:stCxn id="12" idx="0"/>
+            <a:endCxn id="4" idx="2"/>
+          </p:cNvCxnSpPr>
+          <p:nvPr/>
+        </p:nvCxnSpPr>
+        <p:spPr>
+          <a:xfrm rot="16200000" flipV="1">
+            <a:off x="7390415" y="628979"/>
+            <a:ext cx="1505606" cy="4094435"/>
+          </a:xfrm>
+          <a:prstGeom prst="bentConnector3">
+            <a:avLst>
+              <a:gd name="adj1" fmla="val 50000"/>
+            </a:avLst>
+          </a:prstGeom>
+          <a:ln>
+            <a:tailEnd type="triangle"/>
+          </a:ln>
+        </p:spPr>
+        <p:style>
+          <a:lnRef idx="1">
+            <a:schemeClr val="dk1"/>
+          </a:lnRef>
+          <a:fillRef idx="0">
+            <a:schemeClr val="dk1"/>
+          </a:fillRef>
+          <a:effectRef idx="0">
+            <a:schemeClr val="dk1"/>
+          </a:effectRef>
+          <a:fontRef idx="minor">
+            <a:schemeClr val="tx1"/>
+          </a:fontRef>
+        </p:style>
+      </p:cxnSp>
+      <p:sp>
+        <p:nvSpPr>
+          <p:cNvPr id="24" name="Rectangle 23">
+            <a:extLst>
+              <a:ext uri="{FF2B5EF4-FFF2-40B4-BE49-F238E27FC236}">
+                <a16:creationId xmlns:a16="http://schemas.microsoft.com/office/drawing/2014/main" id="{B306EB35-1EF9-434B-B673-45A4A956FB87}"/>
+              </a:ext>
+            </a:extLst>
+          </p:cNvPr>
+          <p:cNvSpPr/>
+          <p:nvPr/>
+        </p:nvSpPr>
+        <p:spPr>
+          <a:xfrm>
+            <a:off x="620110" y="3429000"/>
+            <a:ext cx="2634484" cy="995855"/>
+          </a:xfrm>
+          <a:prstGeom prst="rect">
+            <a:avLst/>
+          </a:prstGeom>
+          <a:ln/>
+        </p:spPr>
+        <p:style>
+          <a:lnRef idx="2">
+            <a:schemeClr val="dk1"/>
+          </a:lnRef>
+          <a:fillRef idx="1">
+            <a:schemeClr val="lt1"/>
+          </a:fillRef>
+          <a:effectRef idx="0">
+            <a:schemeClr val="dk1"/>
+          </a:effectRef>
+          <a:fontRef idx="minor">
+            <a:schemeClr val="dk1"/>
+          </a:fontRef>
+        </p:style>
+        <p:txBody>
+          <a:bodyPr rtlCol="0" anchor="ctr"/>
+          <a:lstStyle/>
+          <a:p>
+            <a:pPr algn="ctr"/>
+            <a:r>
+              <a:rPr lang="en-US" sz="1600" u="sng" dirty="0"/>
+              <a:t>Top Level GUI</a:t>
+            </a:r>
+          </a:p>
+          <a:p>
+            <a:pPr algn="ctr"/>
+            <a:r>
+              <a:rPr lang="en-US" sz="1600" dirty="0"/>
+              <a:t>Update, Enable/Disable Buttons, Enforce N-Button Switch, Clear</a:t>
+            </a:r>
+          </a:p>
+        </p:txBody>
+      </p:sp>
+      <p:cxnSp>
+        <p:nvCxnSpPr>
+          <p:cNvPr id="25" name="Connector: Elbow 24">
+            <a:extLst>
+              <a:ext uri="{FF2B5EF4-FFF2-40B4-BE49-F238E27FC236}">
+                <a16:creationId xmlns:a16="http://schemas.microsoft.com/office/drawing/2014/main" id="{60CEEF32-C189-42DA-9827-0674B0F40712}"/>
+              </a:ext>
+            </a:extLst>
+          </p:cNvPr>
+          <p:cNvCxnSpPr>
+            <a:cxnSpLocks/>
+            <a:stCxn id="24" idx="0"/>
+            <a:endCxn id="4" idx="2"/>
+          </p:cNvCxnSpPr>
+          <p:nvPr/>
+        </p:nvCxnSpPr>
+        <p:spPr>
+          <a:xfrm rot="5400000" flipH="1" flipV="1">
+            <a:off x="3263873" y="596873"/>
+            <a:ext cx="1505606" cy="4158648"/>
+          </a:xfrm>
+          <a:prstGeom prst="bentConnector3">
+            <a:avLst>
+              <a:gd name="adj1" fmla="val 50000"/>
+            </a:avLst>
+          </a:prstGeom>
+          <a:ln>
+            <a:tailEnd type="triangle"/>
+          </a:ln>
+        </p:spPr>
+        <p:style>
+          <a:lnRef idx="1">
+            <a:schemeClr val="dk1"/>
+          </a:lnRef>
+          <a:fillRef idx="0">
+            <a:schemeClr val="dk1"/>
+          </a:fillRef>
+          <a:effectRef idx="0">
+            <a:schemeClr val="dk1"/>
+          </a:effectRef>
+          <a:fontRef idx="minor">
+            <a:schemeClr val="tx1"/>
+          </a:fontRef>
+        </p:style>
+      </p:cxnSp>
+    </p:spTree>
+    <p:extLst>
+      <p:ext uri="{BB962C8B-B14F-4D97-AF65-F5344CB8AC3E}">
+        <p14:creationId xmlns:p14="http://schemas.microsoft.com/office/powerpoint/2010/main" val="2025470312"/>
+      </p:ext>
+    </p:extLst>
+  </p:cSld>
+  <p:clrMapOvr>
+    <a:masterClrMapping/>
+  </p:clrMapOvr>
+</p:sld>
+</file>
+
 <file path=ppt/theme/theme1.xml><?xml version="1.0" encoding="utf-8"?>
 <a:theme xmlns:a="http://schemas.openxmlformats.org/drawingml/2006/main" name="Office Theme">
   <a:themeElements>
